--- a/energy/electric-consumption-rate-python/tsa-python-library-ec-use-case.pptx
+++ b/energy/electric-consumption-rate-python/tsa-python-library-ec-use-case.pptx
@@ -214,7 +214,7 @@
           <a:p>
             <a:fld id="{D50887C1-12D2-7A4E-8EB3-59F4433967C5}" type="datetimeFigureOut">
               <a:rPr lang="en-GB" smtClean="0"/>
-              <a:t>01/06/2018</a:t>
+              <a:t>07/06/2018</a:t>
             </a:fld>
             <a:endParaRPr lang="en-GB"/>
           </a:p>
@@ -765,7 +765,7 @@
           <a:p>
             <a:fld id="{8D295E88-1B93-E04C-BFCC-BF6DFAF9535A}" type="datetimeFigureOut">
               <a:rPr lang="es-ES" smtClean="0"/>
-              <a:t>1/6/18</a:t>
+              <a:t>7/6/18</a:t>
             </a:fld>
             <a:endParaRPr lang="es-ES"/>
           </a:p>
@@ -911,7 +911,7 @@
           <a:p>
             <a:fld id="{8D295E88-1B93-E04C-BFCC-BF6DFAF9535A}" type="datetimeFigureOut">
               <a:rPr lang="es-ES" smtClean="0"/>
-              <a:t>1/6/18</a:t>
+              <a:t>7/6/18</a:t>
             </a:fld>
             <a:endParaRPr lang="es-ES"/>
           </a:p>
@@ -1067,7 +1067,7 @@
           <a:p>
             <a:fld id="{8D295E88-1B93-E04C-BFCC-BF6DFAF9535A}" type="datetimeFigureOut">
               <a:rPr lang="es-ES" smtClean="0"/>
-              <a:t>1/6/18</a:t>
+              <a:t>7/6/18</a:t>
             </a:fld>
             <a:endParaRPr lang="es-ES"/>
           </a:p>
@@ -1213,7 +1213,7 @@
           <a:p>
             <a:fld id="{8D295E88-1B93-E04C-BFCC-BF6DFAF9535A}" type="datetimeFigureOut">
               <a:rPr lang="es-ES" smtClean="0"/>
-              <a:t>1/6/18</a:t>
+              <a:t>7/6/18</a:t>
             </a:fld>
             <a:endParaRPr lang="es-ES"/>
           </a:p>
@@ -1476,7 +1476,7 @@
           <a:p>
             <a:fld id="{8D295E88-1B93-E04C-BFCC-BF6DFAF9535A}" type="datetimeFigureOut">
               <a:rPr lang="es-ES" smtClean="0"/>
-              <a:t>1/6/18</a:t>
+              <a:t>7/6/18</a:t>
             </a:fld>
             <a:endParaRPr lang="es-ES"/>
           </a:p>
@@ -1716,7 +1716,7 @@
           <a:p>
             <a:fld id="{8D295E88-1B93-E04C-BFCC-BF6DFAF9535A}" type="datetimeFigureOut">
               <a:rPr lang="es-ES" smtClean="0"/>
-              <a:t>1/6/18</a:t>
+              <a:t>7/6/18</a:t>
             </a:fld>
             <a:endParaRPr lang="es-ES"/>
           </a:p>
@@ -2120,7 +2120,7 @@
           <a:p>
             <a:fld id="{8D295E88-1B93-E04C-BFCC-BF6DFAF9535A}" type="datetimeFigureOut">
               <a:rPr lang="es-ES" smtClean="0"/>
-              <a:t>1/6/18</a:t>
+              <a:t>7/6/18</a:t>
             </a:fld>
             <a:endParaRPr lang="es-ES"/>
           </a:p>
@@ -2238,7 +2238,7 @@
           <a:p>
             <a:fld id="{8D295E88-1B93-E04C-BFCC-BF6DFAF9535A}" type="datetimeFigureOut">
               <a:rPr lang="es-ES" smtClean="0"/>
-              <a:t>1/6/18</a:t>
+              <a:t>7/6/18</a:t>
             </a:fld>
             <a:endParaRPr lang="es-ES"/>
           </a:p>
@@ -2333,7 +2333,7 @@
           <a:p>
             <a:fld id="{8D295E88-1B93-E04C-BFCC-BF6DFAF9535A}" type="datetimeFigureOut">
               <a:rPr lang="es-ES" smtClean="0"/>
-              <a:t>1/6/18</a:t>
+              <a:t>7/6/18</a:t>
             </a:fld>
             <a:endParaRPr lang="es-ES"/>
           </a:p>
@@ -2602,7 +2602,7 @@
           <a:p>
             <a:fld id="{8D295E88-1B93-E04C-BFCC-BF6DFAF9535A}" type="datetimeFigureOut">
               <a:rPr lang="es-ES" smtClean="0"/>
-              <a:t>1/6/18</a:t>
+              <a:t>7/6/18</a:t>
             </a:fld>
             <a:endParaRPr lang="es-ES"/>
           </a:p>
@@ -2880,7 +2880,7 @@
           <a:p>
             <a:fld id="{8D295E88-1B93-E04C-BFCC-BF6DFAF9535A}" type="datetimeFigureOut">
               <a:rPr lang="es-ES" smtClean="0"/>
-              <a:t>1/6/18</a:t>
+              <a:t>7/6/18</a:t>
             </a:fld>
             <a:endParaRPr lang="es-ES"/>
           </a:p>
@@ -3153,7 +3153,7 @@
           <a:p>
             <a:fld id="{8D295E88-1B93-E04C-BFCC-BF6DFAF9535A}" type="datetimeFigureOut">
               <a:rPr lang="es-ES" smtClean="0"/>
-              <a:t>1/6/18</a:t>
+              <a:t>7/6/18</a:t>
             </a:fld>
             <a:endParaRPr lang="es-ES"/>
           </a:p>
@@ -3693,7 +3693,7 @@
           <a:p>
             <a:r>
               <a:rPr lang="es-ES" dirty="0"/>
-              <a:t>PYTHON TSA LIBRARY</a:t>
+              <a:t>PYTHON KHIVA LIBRARY</a:t>
             </a:r>
           </a:p>
         </p:txBody>
@@ -6044,7 +6044,7 @@
           <a:p>
             <a:r>
               <a:rPr lang="en-GB" dirty="0"/>
-              <a:t>In this use case, the TSA library has been used in order to re-dimension the data, extract the features and compose the features matrix for the predictive modelling and get the similarity between the locals of interest. </a:t>
+              <a:t>In this use case, the KHIVA library has been used in order to re-dimension the data, extract the features and compose the features matrix for the predictive modelling and get the similarity between the locals of interest. </a:t>
             </a:r>
           </a:p>
         </p:txBody>
